--- a/DOC/SIDANG TESIS/other.pptx
+++ b/DOC/SIDANG TESIS/other.pptx
@@ -30,6 +30,8 @@
     <p:sldId id="284" r:id="rId24"/>
     <p:sldId id="286" r:id="rId25"/>
     <p:sldId id="285" r:id="rId26"/>
+    <p:sldId id="287" r:id="rId27"/>
+    <p:sldId id="288" r:id="rId28"/>
   </p:sldIdLst>
   <p:sldSz cx="12192000" cy="6858000"/>
   <p:notesSz cx="6858000" cy="9144000"/>
@@ -332,7 +334,7 @@
           <a:p>
             <a:fld id="{80F8471B-A615-4A6E-8878-4AD10114742E}" type="datetimeFigureOut">
               <a:rPr lang="en-ID" smtClean="0"/>
-              <a:t>01/02/2021</a:t>
+              <a:t>02/02/2021</a:t>
             </a:fld>
             <a:endParaRPr lang="en-ID"/>
           </a:p>
@@ -553,7 +555,7 @@
           <a:p>
             <a:fld id="{80F8471B-A615-4A6E-8878-4AD10114742E}" type="datetimeFigureOut">
               <a:rPr lang="en-ID" smtClean="0"/>
-              <a:t>01/02/2021</a:t>
+              <a:t>02/02/2021</a:t>
             </a:fld>
             <a:endParaRPr lang="en-ID"/>
           </a:p>
@@ -733,7 +735,7 @@
           <a:p>
             <a:fld id="{80F8471B-A615-4A6E-8878-4AD10114742E}" type="datetimeFigureOut">
               <a:rPr lang="en-ID" smtClean="0"/>
-              <a:t>01/02/2021</a:t>
+              <a:t>02/02/2021</a:t>
             </a:fld>
             <a:endParaRPr lang="en-ID"/>
           </a:p>
@@ -903,7 +905,7 @@
           <a:p>
             <a:fld id="{80F8471B-A615-4A6E-8878-4AD10114742E}" type="datetimeFigureOut">
               <a:rPr lang="en-ID" smtClean="0"/>
-              <a:t>01/02/2021</a:t>
+              <a:t>02/02/2021</a:t>
             </a:fld>
             <a:endParaRPr lang="en-ID"/>
           </a:p>
@@ -1154,7 +1156,7 @@
           <a:p>
             <a:fld id="{80F8471B-A615-4A6E-8878-4AD10114742E}" type="datetimeFigureOut">
               <a:rPr lang="en-ID" smtClean="0"/>
-              <a:t>01/02/2021</a:t>
+              <a:t>02/02/2021</a:t>
             </a:fld>
             <a:endParaRPr lang="en-ID"/>
           </a:p>
@@ -1477,7 +1479,7 @@
           <a:p>
             <a:fld id="{80F8471B-A615-4A6E-8878-4AD10114742E}" type="datetimeFigureOut">
               <a:rPr lang="en-ID" smtClean="0"/>
-              <a:t>01/02/2021</a:t>
+              <a:t>02/02/2021</a:t>
             </a:fld>
             <a:endParaRPr lang="en-ID"/>
           </a:p>
@@ -1901,7 +1903,7 @@
           <a:p>
             <a:fld id="{80F8471B-A615-4A6E-8878-4AD10114742E}" type="datetimeFigureOut">
               <a:rPr lang="en-ID" smtClean="0"/>
-              <a:t>01/02/2021</a:t>
+              <a:t>02/02/2021</a:t>
             </a:fld>
             <a:endParaRPr lang="en-ID"/>
           </a:p>
@@ -2019,7 +2021,7 @@
           <a:p>
             <a:fld id="{80F8471B-A615-4A6E-8878-4AD10114742E}" type="datetimeFigureOut">
               <a:rPr lang="en-ID" smtClean="0"/>
-              <a:t>01/02/2021</a:t>
+              <a:t>02/02/2021</a:t>
             </a:fld>
             <a:endParaRPr lang="en-ID"/>
           </a:p>
@@ -2114,7 +2116,7 @@
           <a:p>
             <a:fld id="{80F8471B-A615-4A6E-8878-4AD10114742E}" type="datetimeFigureOut">
               <a:rPr lang="en-ID" smtClean="0"/>
-              <a:t>01/02/2021</a:t>
+              <a:t>02/02/2021</a:t>
             </a:fld>
             <a:endParaRPr lang="en-ID"/>
           </a:p>
@@ -2404,7 +2406,7 @@
           <a:p>
             <a:fld id="{80F8471B-A615-4A6E-8878-4AD10114742E}" type="datetimeFigureOut">
               <a:rPr lang="en-ID" smtClean="0"/>
-              <a:t>01/02/2021</a:t>
+              <a:t>02/02/2021</a:t>
             </a:fld>
             <a:endParaRPr lang="en-ID"/>
           </a:p>
@@ -2676,7 +2678,7 @@
           <a:p>
             <a:fld id="{80F8471B-A615-4A6E-8878-4AD10114742E}" type="datetimeFigureOut">
               <a:rPr lang="en-ID" smtClean="0"/>
-              <a:t>01/02/2021</a:t>
+              <a:t>02/02/2021</a:t>
             </a:fld>
             <a:endParaRPr lang="en-ID"/>
           </a:p>
@@ -2930,7 +2932,7 @@
           <a:p>
             <a:fld id="{80F8471B-A615-4A6E-8878-4AD10114742E}" type="datetimeFigureOut">
               <a:rPr lang="en-ID" smtClean="0"/>
-              <a:t>01/02/2021</a:t>
+              <a:t>02/02/2021</a:t>
             </a:fld>
             <a:endParaRPr lang="en-ID"/>
           </a:p>
@@ -14386,8 +14388,8 @@
           <a:chExt cx="0" cy="0"/>
         </a:xfrm>
       </p:grpSpPr>
-      <mc:AlternateContent xmlns:mc="http://schemas.openxmlformats.org/markup-compatibility/2006">
-        <mc:Choice xmlns:a14="http://schemas.microsoft.com/office/drawing/2010/main" Requires="a14">
+      <mc:AlternateContent xmlns:mc="http://schemas.openxmlformats.org/markup-compatibility/2006" xmlns:a14="http://schemas.microsoft.com/office/drawing/2010/main">
+        <mc:Choice Requires="a14">
           <p:sp>
             <p:nvSpPr>
               <p:cNvPr id="3" name="Content Placeholder 2">
@@ -14576,7 +14578,7 @@
             </p:txBody>
           </p:sp>
         </mc:Choice>
-        <mc:Fallback>
+        <mc:Fallback xmlns="">
           <p:sp>
             <p:nvSpPr>
               <p:cNvPr id="3" name="Content Placeholder 2">
@@ -14755,6 +14757,599 @@
     <p:extLst>
       <p:ext uri="{BB962C8B-B14F-4D97-AF65-F5344CB8AC3E}">
         <p14:creationId xmlns:p14="http://schemas.microsoft.com/office/powerpoint/2010/main" val="3051519499"/>
+      </p:ext>
+    </p:extLst>
+  </p:cSld>
+  <p:clrMapOvr>
+    <a:masterClrMapping/>
+  </p:clrMapOvr>
+</p:sld>
+</file>
+
+<file path=ppt/slides/slide26.xml><?xml version="1.0" encoding="utf-8"?>
+<p:sld xmlns:a="http://schemas.openxmlformats.org/drawingml/2006/main" xmlns:r="http://schemas.openxmlformats.org/officeDocument/2006/relationships" xmlns:p="http://schemas.openxmlformats.org/presentationml/2006/main">
+  <p:cSld>
+    <p:spTree>
+      <p:nvGrpSpPr>
+        <p:cNvPr id="1" name=""/>
+        <p:cNvGrpSpPr/>
+        <p:nvPr/>
+      </p:nvGrpSpPr>
+      <p:grpSpPr>
+        <a:xfrm>
+          <a:off x="0" y="0"/>
+          <a:ext cx="0" cy="0"/>
+          <a:chOff x="0" y="0"/>
+          <a:chExt cx="0" cy="0"/>
+        </a:xfrm>
+      </p:grpSpPr>
+      <p:sp>
+        <p:nvSpPr>
+          <p:cNvPr id="2" name="Title 1">
+            <a:extLst>
+              <a:ext uri="{FF2B5EF4-FFF2-40B4-BE49-F238E27FC236}">
+                <a16:creationId xmlns:a16="http://schemas.microsoft.com/office/drawing/2014/main" id="{3DC5F6A0-96CF-4F46-A453-DA87803FF67C}"/>
+              </a:ext>
+            </a:extLst>
+          </p:cNvPr>
+          <p:cNvSpPr>
+            <a:spLocks noGrp="1"/>
+          </p:cNvSpPr>
+          <p:nvPr>
+            <p:ph type="title"/>
+          </p:nvPr>
+        </p:nvSpPr>
+        <p:spPr>
+          <a:xfrm>
+            <a:off x="1143000" y="609600"/>
+            <a:ext cx="9875520" cy="1108364"/>
+          </a:xfrm>
+        </p:spPr>
+        <p:txBody>
+          <a:bodyPr>
+            <a:normAutofit fontScale="90000"/>
+          </a:bodyPr>
+          <a:lstStyle/>
+          <a:p>
+            <a:pPr algn="ctr"/>
+            <a:r>
+              <a:rPr lang="en-US"/>
+              <a:t>Perbedaan Efisiensi Spektrum Dan Kapasitas</a:t>
+            </a:r>
+            <a:endParaRPr lang="en-ID"/>
+          </a:p>
+        </p:txBody>
+      </p:sp>
+      <mc:AlternateContent xmlns:mc="http://schemas.openxmlformats.org/markup-compatibility/2006" xmlns:a14="http://schemas.microsoft.com/office/drawing/2010/main">
+        <mc:Choice Requires="a14">
+          <p:sp>
+            <p:nvSpPr>
+              <p:cNvPr id="3" name="Content Placeholder 2">
+                <a:extLst>
+                  <a:ext uri="{FF2B5EF4-FFF2-40B4-BE49-F238E27FC236}">
+                    <a16:creationId xmlns:a16="http://schemas.microsoft.com/office/drawing/2014/main" id="{2771E716-0B24-4007-8553-CE69FBCE1E04}"/>
+                  </a:ext>
+                </a:extLst>
+              </p:cNvPr>
+              <p:cNvSpPr>
+                <a:spLocks noGrp="1"/>
+              </p:cNvSpPr>
+              <p:nvPr>
+                <p:ph idx="1"/>
+              </p:nvPr>
+            </p:nvSpPr>
+            <p:spPr/>
+            <p:txBody>
+              <a:bodyPr>
+                <a:normAutofit/>
+              </a:bodyPr>
+              <a:lstStyle/>
+              <a:p>
+                <a14:m>
+                  <m:oMath xmlns:m="http://schemas.openxmlformats.org/officeDocument/2006/math">
+                    <m:r>
+                      <m:rPr>
+                        <m:sty m:val="p"/>
+                      </m:rPr>
+                      <a:rPr lang="id-ID" sz="2400" smtClean="0">
+                        <a:effectLst/>
+                        <a:latin typeface="Cambria Math" panose="02040503050406030204" pitchFamily="18" charset="0"/>
+                        <a:ea typeface="Times New Roman" panose="02020603050405020304" pitchFamily="18" charset="0"/>
+                        <a:cs typeface="Arial" panose="020B0604020202020204" pitchFamily="34" charset="0"/>
+                      </a:rPr>
+                      <m:t>ES</m:t>
+                    </m:r>
+                    <m:r>
+                      <a:rPr lang="id-ID" sz="2400" i="1">
+                        <a:effectLst/>
+                        <a:latin typeface="Cambria Math" panose="02040503050406030204" pitchFamily="18" charset="0"/>
+                        <a:ea typeface="Times New Roman" panose="02020603050405020304" pitchFamily="18" charset="0"/>
+                        <a:cs typeface="Arial" panose="020B0604020202020204" pitchFamily="34" charset="0"/>
+                      </a:rPr>
+                      <m:t> = </m:t>
+                    </m:r>
+                    <m:sSub>
+                      <m:sSubPr>
+                        <m:ctrlPr>
+                          <a:rPr lang="en-ID" sz="2800" i="1">
+                            <a:effectLst/>
+                            <a:latin typeface="Cambria Math" panose="02040503050406030204" pitchFamily="18" charset="0"/>
+                            <a:ea typeface="Times New Roman" panose="02020603050405020304" pitchFamily="18" charset="0"/>
+                          </a:rPr>
+                        </m:ctrlPr>
+                      </m:sSubPr>
+                      <m:e>
+                        <m:r>
+                          <m:rPr>
+                            <m:sty m:val="p"/>
+                          </m:rPr>
+                          <a:rPr lang="id-ID" sz="2400">
+                            <a:effectLst/>
+                            <a:latin typeface="Cambria Math" panose="02040503050406030204" pitchFamily="18" charset="0"/>
+                            <a:ea typeface="Times New Roman" panose="02020603050405020304" pitchFamily="18" charset="0"/>
+                            <a:cs typeface="Arial" panose="020B0604020202020204" pitchFamily="34" charset="0"/>
+                          </a:rPr>
+                          <m:t>log</m:t>
+                        </m:r>
+                      </m:e>
+                      <m:sub>
+                        <m:r>
+                          <a:rPr lang="id-ID" sz="2400">
+                            <a:effectLst/>
+                            <a:latin typeface="Cambria Math" panose="02040503050406030204" pitchFamily="18" charset="0"/>
+                            <a:ea typeface="Times New Roman" panose="02020603050405020304" pitchFamily="18" charset="0"/>
+                            <a:cs typeface="Arial" panose="020B0604020202020204" pitchFamily="34" charset="0"/>
+                          </a:rPr>
+                          <m:t>2</m:t>
+                        </m:r>
+                      </m:sub>
+                    </m:sSub>
+                    <m:d>
+                      <m:dPr>
+                        <m:ctrlPr>
+                          <a:rPr lang="en-ID" sz="2800" i="1">
+                            <a:effectLst/>
+                            <a:latin typeface="Cambria Math" panose="02040503050406030204" pitchFamily="18" charset="0"/>
+                            <a:ea typeface="Times New Roman" panose="02020603050405020304" pitchFamily="18" charset="0"/>
+                          </a:rPr>
+                        </m:ctrlPr>
+                      </m:dPr>
+                      <m:e>
+                        <m:r>
+                          <a:rPr lang="id-ID" sz="2400" i="1">
+                            <a:effectLst/>
+                            <a:latin typeface="Cambria Math" panose="02040503050406030204" pitchFamily="18" charset="0"/>
+                            <a:ea typeface="Times New Roman" panose="02020603050405020304" pitchFamily="18" charset="0"/>
+                            <a:cs typeface="Arial" panose="020B0604020202020204" pitchFamily="34" charset="0"/>
+                          </a:rPr>
+                          <m:t>1+</m:t>
+                        </m:r>
+                        <m:sSubSup>
+                          <m:sSubSupPr>
+                            <m:ctrlPr>
+                              <a:rPr lang="en-ID" sz="2800" i="1">
+                                <a:effectLst/>
+                                <a:latin typeface="Cambria Math" panose="02040503050406030204" pitchFamily="18" charset="0"/>
+                                <a:ea typeface="Times New Roman" panose="02020603050405020304" pitchFamily="18" charset="0"/>
+                              </a:rPr>
+                            </m:ctrlPr>
+                          </m:sSubSupPr>
+                          <m:e>
+                            <m:r>
+                              <a:rPr lang="id-ID" sz="2400" i="1">
+                                <a:effectLst/>
+                                <a:latin typeface="Cambria Math" panose="02040503050406030204" pitchFamily="18" charset="0"/>
+                                <a:ea typeface="Times New Roman" panose="02020603050405020304" pitchFamily="18" charset="0"/>
+                                <a:cs typeface="Arial" panose="020B0604020202020204" pitchFamily="34" charset="0"/>
+                              </a:rPr>
+                              <m:t> </m:t>
+                            </m:r>
+                            <m:r>
+                              <m:rPr>
+                                <m:sty m:val="p"/>
+                              </m:rPr>
+                              <a:rPr lang="id-ID" sz="2400">
+                                <a:effectLst/>
+                                <a:latin typeface="Cambria Math" panose="02040503050406030204" pitchFamily="18" charset="0"/>
+                                <a:ea typeface="Times New Roman" panose="02020603050405020304" pitchFamily="18" charset="0"/>
+                                <a:cs typeface="Arial" panose="020B0604020202020204" pitchFamily="34" charset="0"/>
+                              </a:rPr>
+                              <m:t>SINR</m:t>
+                            </m:r>
+                          </m:e>
+                          <m:sub>
+                            <m:r>
+                              <a:rPr lang="id-ID" sz="2400" i="1">
+                                <a:effectLst/>
+                                <a:latin typeface="Cambria Math" panose="02040503050406030204" pitchFamily="18" charset="0"/>
+                                <a:ea typeface="Times New Roman" panose="02020603050405020304" pitchFamily="18" charset="0"/>
+                                <a:cs typeface="Arial" panose="020B0604020202020204" pitchFamily="34" charset="0"/>
+                              </a:rPr>
+                              <m:t>𝑘</m:t>
+                            </m:r>
+                            <m:r>
+                              <a:rPr lang="id-ID" sz="2400" i="1">
+                                <a:effectLst/>
+                                <a:latin typeface="Cambria Math" panose="02040503050406030204" pitchFamily="18" charset="0"/>
+                                <a:ea typeface="Times New Roman" panose="02020603050405020304" pitchFamily="18" charset="0"/>
+                                <a:cs typeface="Arial" panose="020B0604020202020204" pitchFamily="34" charset="0"/>
+                              </a:rPr>
+                              <m:t>,</m:t>
+                            </m:r>
+                            <m:r>
+                              <a:rPr lang="id-ID" sz="2400" i="1">
+                                <a:effectLst/>
+                                <a:latin typeface="Cambria Math" panose="02040503050406030204" pitchFamily="18" charset="0"/>
+                                <a:ea typeface="Times New Roman" panose="02020603050405020304" pitchFamily="18" charset="0"/>
+                                <a:cs typeface="Arial" panose="020B0604020202020204" pitchFamily="34" charset="0"/>
+                              </a:rPr>
+                              <m:t>𝑛</m:t>
+                            </m:r>
+                          </m:sub>
+                          <m:sup>
+                            <m:r>
+                              <a:rPr lang="id-ID" sz="2400" i="1">
+                                <a:effectLst/>
+                                <a:latin typeface="Cambria Math" panose="02040503050406030204" pitchFamily="18" charset="0"/>
+                                <a:ea typeface="Times New Roman" panose="02020603050405020304" pitchFamily="18" charset="0"/>
+                                <a:cs typeface="Arial" panose="020B0604020202020204" pitchFamily="34" charset="0"/>
+                              </a:rPr>
+                              <m:t>𝐴</m:t>
+                            </m:r>
+                          </m:sup>
+                        </m:sSubSup>
+                      </m:e>
+                    </m:d>
+                  </m:oMath>
+                </a14:m>
+                <a:endParaRPr lang="en-ID" sz="2800"/>
+              </a:p>
+              <a:p>
+                <a14:m>
+                  <m:oMath xmlns:m="http://schemas.openxmlformats.org/officeDocument/2006/math">
+                    <m:r>
+                      <m:rPr>
+                        <m:sty m:val="p"/>
+                      </m:rPr>
+                      <a:rPr lang="en-US" sz="2400">
+                        <a:latin typeface="Cambria Math" panose="02040503050406030204" pitchFamily="18" charset="0"/>
+                        <a:ea typeface="Times New Roman" panose="02020603050405020304" pitchFamily="18" charset="0"/>
+                        <a:cs typeface="Arial" panose="020B0604020202020204" pitchFamily="34" charset="0"/>
+                      </a:rPr>
+                      <m:t>C</m:t>
+                    </m:r>
+                    <m:r>
+                      <a:rPr lang="id-ID" sz="2400" i="1">
+                        <a:effectLst/>
+                        <a:latin typeface="Cambria Math" panose="02040503050406030204" pitchFamily="18" charset="0"/>
+                        <a:ea typeface="Times New Roman" panose="02020603050405020304" pitchFamily="18" charset="0"/>
+                        <a:cs typeface="Arial" panose="020B0604020202020204" pitchFamily="34" charset="0"/>
+                      </a:rPr>
+                      <m:t>=</m:t>
+                    </m:r>
+                    <m:r>
+                      <a:rPr lang="en-US" sz="2400" b="0" i="1" smtClean="0">
+                        <a:effectLst/>
+                        <a:latin typeface="Cambria Math" panose="02040503050406030204" pitchFamily="18" charset="0"/>
+                        <a:ea typeface="Times New Roman" panose="02020603050405020304" pitchFamily="18" charset="0"/>
+                        <a:cs typeface="Arial" panose="020B0604020202020204" pitchFamily="34" charset="0"/>
+                      </a:rPr>
+                      <m:t>𝐵</m:t>
+                    </m:r>
+                    <m:sSub>
+                      <m:sSubPr>
+                        <m:ctrlPr>
+                          <a:rPr lang="en-ID" sz="2800" i="1">
+                            <a:effectLst/>
+                            <a:latin typeface="Cambria Math" panose="02040503050406030204" pitchFamily="18" charset="0"/>
+                            <a:ea typeface="Times New Roman" panose="02020603050405020304" pitchFamily="18" charset="0"/>
+                          </a:rPr>
+                        </m:ctrlPr>
+                      </m:sSubPr>
+                      <m:e>
+                        <m:r>
+                          <m:rPr>
+                            <m:sty m:val="p"/>
+                          </m:rPr>
+                          <a:rPr lang="id-ID" sz="2400">
+                            <a:effectLst/>
+                            <a:latin typeface="Cambria Math" panose="02040503050406030204" pitchFamily="18" charset="0"/>
+                            <a:ea typeface="Times New Roman" panose="02020603050405020304" pitchFamily="18" charset="0"/>
+                            <a:cs typeface="Arial" panose="020B0604020202020204" pitchFamily="34" charset="0"/>
+                          </a:rPr>
+                          <m:t>log</m:t>
+                        </m:r>
+                      </m:e>
+                      <m:sub>
+                        <m:r>
+                          <a:rPr lang="id-ID" sz="2400">
+                            <a:effectLst/>
+                            <a:latin typeface="Cambria Math" panose="02040503050406030204" pitchFamily="18" charset="0"/>
+                            <a:ea typeface="Times New Roman" panose="02020603050405020304" pitchFamily="18" charset="0"/>
+                            <a:cs typeface="Arial" panose="020B0604020202020204" pitchFamily="34" charset="0"/>
+                          </a:rPr>
+                          <m:t>2</m:t>
+                        </m:r>
+                      </m:sub>
+                    </m:sSub>
+                    <m:d>
+                      <m:dPr>
+                        <m:ctrlPr>
+                          <a:rPr lang="en-ID" sz="2800" i="1">
+                            <a:effectLst/>
+                            <a:latin typeface="Cambria Math" panose="02040503050406030204" pitchFamily="18" charset="0"/>
+                            <a:ea typeface="Times New Roman" panose="02020603050405020304" pitchFamily="18" charset="0"/>
+                          </a:rPr>
+                        </m:ctrlPr>
+                      </m:dPr>
+                      <m:e>
+                        <m:r>
+                          <a:rPr lang="id-ID" sz="2400" i="1">
+                            <a:effectLst/>
+                            <a:latin typeface="Cambria Math" panose="02040503050406030204" pitchFamily="18" charset="0"/>
+                            <a:ea typeface="Times New Roman" panose="02020603050405020304" pitchFamily="18" charset="0"/>
+                            <a:cs typeface="Arial" panose="020B0604020202020204" pitchFamily="34" charset="0"/>
+                          </a:rPr>
+                          <m:t>1+</m:t>
+                        </m:r>
+                        <m:sSubSup>
+                          <m:sSubSupPr>
+                            <m:ctrlPr>
+                              <a:rPr lang="en-ID" sz="2800" i="1">
+                                <a:effectLst/>
+                                <a:latin typeface="Cambria Math" panose="02040503050406030204" pitchFamily="18" charset="0"/>
+                                <a:ea typeface="Times New Roman" panose="02020603050405020304" pitchFamily="18" charset="0"/>
+                              </a:rPr>
+                            </m:ctrlPr>
+                          </m:sSubSupPr>
+                          <m:e>
+                            <m:r>
+                              <a:rPr lang="id-ID" sz="2400" i="1">
+                                <a:effectLst/>
+                                <a:latin typeface="Cambria Math" panose="02040503050406030204" pitchFamily="18" charset="0"/>
+                                <a:ea typeface="Times New Roman" panose="02020603050405020304" pitchFamily="18" charset="0"/>
+                                <a:cs typeface="Arial" panose="020B0604020202020204" pitchFamily="34" charset="0"/>
+                              </a:rPr>
+                              <m:t> </m:t>
+                            </m:r>
+                            <m:r>
+                              <m:rPr>
+                                <m:sty m:val="p"/>
+                              </m:rPr>
+                              <a:rPr lang="id-ID" sz="2400">
+                                <a:effectLst/>
+                                <a:latin typeface="Cambria Math" panose="02040503050406030204" pitchFamily="18" charset="0"/>
+                                <a:ea typeface="Times New Roman" panose="02020603050405020304" pitchFamily="18" charset="0"/>
+                                <a:cs typeface="Arial" panose="020B0604020202020204" pitchFamily="34" charset="0"/>
+                              </a:rPr>
+                              <m:t>SINR</m:t>
+                            </m:r>
+                          </m:e>
+                          <m:sub>
+                            <m:r>
+                              <a:rPr lang="id-ID" sz="2400" i="1">
+                                <a:effectLst/>
+                                <a:latin typeface="Cambria Math" panose="02040503050406030204" pitchFamily="18" charset="0"/>
+                                <a:ea typeface="Times New Roman" panose="02020603050405020304" pitchFamily="18" charset="0"/>
+                                <a:cs typeface="Arial" panose="020B0604020202020204" pitchFamily="34" charset="0"/>
+                              </a:rPr>
+                              <m:t>𝑘</m:t>
+                            </m:r>
+                            <m:r>
+                              <a:rPr lang="id-ID" sz="2400" i="1">
+                                <a:effectLst/>
+                                <a:latin typeface="Cambria Math" panose="02040503050406030204" pitchFamily="18" charset="0"/>
+                                <a:ea typeface="Times New Roman" panose="02020603050405020304" pitchFamily="18" charset="0"/>
+                                <a:cs typeface="Arial" panose="020B0604020202020204" pitchFamily="34" charset="0"/>
+                              </a:rPr>
+                              <m:t>,</m:t>
+                            </m:r>
+                            <m:r>
+                              <a:rPr lang="id-ID" sz="2400" i="1">
+                                <a:effectLst/>
+                                <a:latin typeface="Cambria Math" panose="02040503050406030204" pitchFamily="18" charset="0"/>
+                                <a:ea typeface="Times New Roman" panose="02020603050405020304" pitchFamily="18" charset="0"/>
+                                <a:cs typeface="Arial" panose="020B0604020202020204" pitchFamily="34" charset="0"/>
+                              </a:rPr>
+                              <m:t>𝑛</m:t>
+                            </m:r>
+                          </m:sub>
+                          <m:sup>
+                            <m:r>
+                              <a:rPr lang="id-ID" sz="2400" i="1">
+                                <a:effectLst/>
+                                <a:latin typeface="Cambria Math" panose="02040503050406030204" pitchFamily="18" charset="0"/>
+                                <a:ea typeface="Times New Roman" panose="02020603050405020304" pitchFamily="18" charset="0"/>
+                                <a:cs typeface="Arial" panose="020B0604020202020204" pitchFamily="34" charset="0"/>
+                              </a:rPr>
+                              <m:t>𝐴</m:t>
+                            </m:r>
+                          </m:sup>
+                        </m:sSubSup>
+                      </m:e>
+                    </m:d>
+                  </m:oMath>
+                </a14:m>
+                <a:endParaRPr lang="en-ID" sz="2800"/>
+              </a:p>
+            </p:txBody>
+          </p:sp>
+        </mc:Choice>
+        <mc:Fallback xmlns="">
+          <p:sp>
+            <p:nvSpPr>
+              <p:cNvPr id="3" name="Content Placeholder 2">
+                <a:extLst>
+                  <a:ext uri="{FF2B5EF4-FFF2-40B4-BE49-F238E27FC236}">
+                    <a16:creationId xmlns:a16="http://schemas.microsoft.com/office/drawing/2014/main" id="{2771E716-0B24-4007-8553-CE69FBCE1E04}"/>
+                  </a:ext>
+                </a:extLst>
+              </p:cNvPr>
+              <p:cNvSpPr>
+                <a:spLocks noGrp="1" noRot="1" noChangeAspect="1" noMove="1" noResize="1" noEditPoints="1" noAdjustHandles="1" noChangeArrowheads="1" noChangeShapeType="1" noTextEdit="1"/>
+              </p:cNvSpPr>
+              <p:nvPr>
+                <p:ph idx="1"/>
+              </p:nvPr>
+            </p:nvSpPr>
+            <p:spPr>
+              <a:blipFill>
+                <a:blip r:embed="rId2"/>
+                <a:stretch>
+                  <a:fillRect/>
+                </a:stretch>
+              </a:blipFill>
+            </p:spPr>
+            <p:txBody>
+              <a:bodyPr/>
+              <a:lstStyle/>
+              <a:p>
+                <a:r>
+                  <a:rPr lang="en-ID">
+                    <a:noFill/>
+                  </a:rPr>
+                  <a:t> </a:t>
+                </a:r>
+              </a:p>
+            </p:txBody>
+          </p:sp>
+        </mc:Fallback>
+      </mc:AlternateContent>
+    </p:spTree>
+    <p:extLst>
+      <p:ext uri="{BB962C8B-B14F-4D97-AF65-F5344CB8AC3E}">
+        <p14:creationId xmlns:p14="http://schemas.microsoft.com/office/powerpoint/2010/main" val="3413822054"/>
+      </p:ext>
+    </p:extLst>
+  </p:cSld>
+  <p:clrMapOvr>
+    <a:masterClrMapping/>
+  </p:clrMapOvr>
+</p:sld>
+</file>
+
+<file path=ppt/slides/slide27.xml><?xml version="1.0" encoding="utf-8"?>
+<p:sld xmlns:a="http://schemas.openxmlformats.org/drawingml/2006/main" xmlns:r="http://schemas.openxmlformats.org/officeDocument/2006/relationships" xmlns:p="http://schemas.openxmlformats.org/presentationml/2006/main">
+  <p:cSld>
+    <p:spTree>
+      <p:nvGrpSpPr>
+        <p:cNvPr id="1" name=""/>
+        <p:cNvGrpSpPr/>
+        <p:nvPr/>
+      </p:nvGrpSpPr>
+      <p:grpSpPr>
+        <a:xfrm>
+          <a:off x="0" y="0"/>
+          <a:ext cx="0" cy="0"/>
+          <a:chOff x="0" y="0"/>
+          <a:chExt cx="0" cy="0"/>
+        </a:xfrm>
+      </p:grpSpPr>
+      <p:sp>
+        <p:nvSpPr>
+          <p:cNvPr id="2" name="Title 1">
+            <a:extLst>
+              <a:ext uri="{FF2B5EF4-FFF2-40B4-BE49-F238E27FC236}">
+                <a16:creationId xmlns:a16="http://schemas.microsoft.com/office/drawing/2014/main" id="{AF5BE5F3-6F9F-4FE0-B014-2921F4C5CD32}"/>
+              </a:ext>
+            </a:extLst>
+          </p:cNvPr>
+          <p:cNvSpPr>
+            <a:spLocks noGrp="1"/>
+          </p:cNvSpPr>
+          <p:nvPr>
+            <p:ph type="title"/>
+          </p:nvPr>
+        </p:nvSpPr>
+        <p:spPr/>
+        <p:txBody>
+          <a:bodyPr/>
+          <a:lstStyle/>
+          <a:p>
+            <a:pPr algn="ctr"/>
+            <a:r>
+              <a:rPr lang="en-US"/>
+              <a:t>ILUSTRASI PEMETAAN SIMBOL KE TIAP SUBCARRIER</a:t>
+            </a:r>
+            <a:endParaRPr lang="en-ID"/>
+          </a:p>
+        </p:txBody>
+      </p:sp>
+      <p:pic>
+        <p:nvPicPr>
+          <p:cNvPr id="4" name="Picture 3">
+            <a:extLst>
+              <a:ext uri="{FF2B5EF4-FFF2-40B4-BE49-F238E27FC236}">
+                <a16:creationId xmlns:a16="http://schemas.microsoft.com/office/drawing/2014/main" id="{60FE4A54-FFFD-407C-8243-43D08F2EFF31}"/>
+              </a:ext>
+            </a:extLst>
+          </p:cNvPr>
+          <p:cNvPicPr/>
+          <p:nvPr/>
+        </p:nvPicPr>
+        <p:blipFill>
+          <a:blip r:embed="rId2"/>
+          <a:stretch>
+            <a:fillRect/>
+          </a:stretch>
+        </p:blipFill>
+        <p:spPr>
+          <a:xfrm>
+            <a:off x="1054475" y="2139523"/>
+            <a:ext cx="7347146" cy="2578953"/>
+          </a:xfrm>
+          <a:prstGeom prst="rect">
+            <a:avLst/>
+          </a:prstGeom>
+        </p:spPr>
+      </p:pic>
+      <p:sp>
+        <p:nvSpPr>
+          <p:cNvPr id="5" name="Content Placeholder 2">
+            <a:extLst>
+              <a:ext uri="{FF2B5EF4-FFF2-40B4-BE49-F238E27FC236}">
+                <a16:creationId xmlns:a16="http://schemas.microsoft.com/office/drawing/2014/main" id="{E33901D1-9789-4FD3-ACC4-A29718C72508}"/>
+              </a:ext>
+            </a:extLst>
+          </p:cNvPr>
+          <p:cNvSpPr>
+            <a:spLocks noGrp="1"/>
+          </p:cNvSpPr>
+          <p:nvPr>
+            <p:ph idx="1"/>
+          </p:nvPr>
+        </p:nvSpPr>
+        <p:spPr>
+          <a:xfrm>
+            <a:off x="1054475" y="4987636"/>
+            <a:ext cx="11029615" cy="845460"/>
+          </a:xfrm>
+        </p:spPr>
+        <p:txBody>
+          <a:bodyPr>
+            <a:noAutofit/>
+          </a:bodyPr>
+          <a:lstStyle/>
+          <a:p>
+            <a:r>
+              <a:rPr lang="en-US" sz="2200"/>
+              <a:t>Masing-masing subcarrier membawa simbol dari semua user</a:t>
+            </a:r>
+          </a:p>
+          <a:p>
+            <a:pPr marL="304800" lvl="1" indent="-304800"/>
+            <a:r>
+              <a:rPr lang="en-US" sz="2200"/>
+              <a:t>Jumlah symbol pada tiap subcarrier sama dengan jumlah user</a:t>
+            </a:r>
+            <a:endParaRPr lang="en-US" sz="2200" dirty="0"/>
+          </a:p>
+        </p:txBody>
+      </p:sp>
+    </p:spTree>
+    <p:extLst>
+      <p:ext uri="{BB962C8B-B14F-4D97-AF65-F5344CB8AC3E}">
+        <p14:creationId xmlns:p14="http://schemas.microsoft.com/office/powerpoint/2010/main" val="442347508"/>
       </p:ext>
     </p:extLst>
   </p:cSld>
@@ -18852,8 +19447,8 @@
           </a:p>
         </p:txBody>
       </p:sp>
-      <mc:AlternateContent xmlns:mc="http://schemas.openxmlformats.org/markup-compatibility/2006">
-        <mc:Choice xmlns:a14="http://schemas.microsoft.com/office/drawing/2010/main" Requires="a14">
+      <mc:AlternateContent xmlns:mc="http://schemas.openxmlformats.org/markup-compatibility/2006" xmlns:a14="http://schemas.microsoft.com/office/drawing/2010/main">
+        <mc:Choice Requires="a14">
           <p:sp>
             <p:nvSpPr>
               <p:cNvPr id="3" name="Content Placeholder 2">
@@ -19663,7 +20258,7 @@
             </p:txBody>
           </p:sp>
         </mc:Choice>
-        <mc:Fallback>
+        <mc:Fallback xmlns="">
           <p:sp>
             <p:nvSpPr>
               <p:cNvPr id="3" name="Content Placeholder 2">

--- a/DOC/SIDANG TESIS/other.pptx
+++ b/DOC/SIDANG TESIS/other.pptx
@@ -13764,7 +13764,7 @@
         <p:spPr>
           <a:xfrm>
             <a:off x="385366" y="3141370"/>
-            <a:ext cx="11421268" cy="646331"/>
+            <a:ext cx="9659179" cy="923330"/>
           </a:xfrm>
           <a:prstGeom prst="rect">
             <a:avLst/>
@@ -13772,7 +13772,7 @@
           <a:noFill/>
         </p:spPr>
         <p:txBody>
-          <a:bodyPr wrap="none" rtlCol="0">
+          <a:bodyPr wrap="square" rtlCol="0">
             <a:spAutoFit/>
           </a:bodyPr>
           <a:lstStyle/>
@@ -14388,8 +14388,8 @@
           <a:chExt cx="0" cy="0"/>
         </a:xfrm>
       </p:grpSpPr>
-      <mc:AlternateContent xmlns:mc="http://schemas.openxmlformats.org/markup-compatibility/2006" xmlns:a14="http://schemas.microsoft.com/office/drawing/2010/main">
-        <mc:Choice Requires="a14">
+      <mc:AlternateContent xmlns:mc="http://schemas.openxmlformats.org/markup-compatibility/2006">
+        <mc:Choice xmlns:a14="http://schemas.microsoft.com/office/drawing/2010/main" Requires="a14">
           <p:sp>
             <p:nvSpPr>
               <p:cNvPr id="3" name="Content Placeholder 2">
@@ -14569,7 +14569,7 @@
               <a:p>
                 <a:r>
                   <a:rPr lang="en-US"/>
-                  <a:t>2. Terdapat kondisi favorable propagation, dimana pada kondisi ini masing-masing veektor kanal untuk tiap user mendekati orthogonal, sehingga user dapat berkomunikasi dengan BTS dengan baik, gangguan dari user lain bisa sangat kecil.</a:t>
+                  <a:t>2. Terdapat kondisi favorable propagation, dimana pada kondisi ini masing-masing vektor kanal untuk tiap user mendekati orthogonal, sehingga user dapat berkomunikasi dengan BTS dengan baik, gangguan dari user lain bisa sangat kecil.</a:t>
                 </a:r>
               </a:p>
               <a:p>
@@ -14578,7 +14578,7 @@
             </p:txBody>
           </p:sp>
         </mc:Choice>
-        <mc:Fallback xmlns="">
+        <mc:Fallback>
           <p:sp>
             <p:nvSpPr>
               <p:cNvPr id="3" name="Content Placeholder 2">
